--- a/AI_Project.pptx
+++ b/AI_Project.pptx
@@ -56,6 +56,80 @@
     </p:ext>
   </p:extLst>
 </p:presentation>
+</file>
+
+<file path=ppt/changesInfos/changesInfo1.xml><?xml version="1.0" encoding="utf-8"?>
+<pc:chgInfo xmlns:a="http://schemas.openxmlformats.org/drawingml/2006/main" xmlns:r="http://schemas.openxmlformats.org/officeDocument/2006/relationships" xmlns:ac="http://schemas.microsoft.com/office/drawing/2013/main/command" xmlns:pc="http://schemas.microsoft.com/office/powerpoint/2013/main/command">
+  <pc:docChgLst>
+    <pc:chgData name="priyanshi maheshwari" userId="86e7588e45fcba19" providerId="LiveId" clId="{8AE63DA2-5BFB-4D43-9540-A53EEF80B978}"/>
+    <pc:docChg chg="modSld">
+      <pc:chgData name="priyanshi maheshwari" userId="86e7588e45fcba19" providerId="LiveId" clId="{8AE63DA2-5BFB-4D43-9540-A53EEF80B978}" dt="2024-04-30T16:24:26.207" v="7" actId="20577"/>
+      <pc:docMkLst>
+        <pc:docMk/>
+      </pc:docMkLst>
+      <pc:sldChg chg="modSp mod">
+        <pc:chgData name="priyanshi maheshwari" userId="86e7588e45fcba19" providerId="LiveId" clId="{8AE63DA2-5BFB-4D43-9540-A53EEF80B978}" dt="2024-04-30T16:15:48.884" v="2" actId="20577"/>
+        <pc:sldMkLst>
+          <pc:docMk/>
+          <pc:sldMk cId="0" sldId="267"/>
+        </pc:sldMkLst>
+        <pc:spChg chg="mod">
+          <ac:chgData name="priyanshi maheshwari" userId="86e7588e45fcba19" providerId="LiveId" clId="{8AE63DA2-5BFB-4D43-9540-A53EEF80B978}" dt="2024-04-30T16:15:48.884" v="2" actId="20577"/>
+          <ac:spMkLst>
+            <pc:docMk/>
+            <pc:sldMk cId="0" sldId="267"/>
+            <ac:spMk id="6" creationId="{B318E3B8-6AC1-899C-D4C1-2640FF02758A}"/>
+          </ac:spMkLst>
+        </pc:spChg>
+      </pc:sldChg>
+      <pc:sldChg chg="modSp mod">
+        <pc:chgData name="priyanshi maheshwari" userId="86e7588e45fcba19" providerId="LiveId" clId="{8AE63DA2-5BFB-4D43-9540-A53EEF80B978}" dt="2024-04-30T16:15:54.506" v="4" actId="5793"/>
+        <pc:sldMkLst>
+          <pc:docMk/>
+          <pc:sldMk cId="0" sldId="272"/>
+        </pc:sldMkLst>
+        <pc:spChg chg="mod">
+          <ac:chgData name="priyanshi maheshwari" userId="86e7588e45fcba19" providerId="LiveId" clId="{8AE63DA2-5BFB-4D43-9540-A53EEF80B978}" dt="2024-04-30T16:15:54.506" v="4" actId="5793"/>
+          <ac:spMkLst>
+            <pc:docMk/>
+            <pc:sldMk cId="0" sldId="272"/>
+            <ac:spMk id="2" creationId="{00000000-0000-0000-0000-000000000000}"/>
+          </ac:spMkLst>
+        </pc:spChg>
+      </pc:sldChg>
+      <pc:sldChg chg="modSp mod">
+        <pc:chgData name="priyanshi maheshwari" userId="86e7588e45fcba19" providerId="LiveId" clId="{8AE63DA2-5BFB-4D43-9540-A53EEF80B978}" dt="2024-04-30T16:16:00.400" v="6" actId="20577"/>
+        <pc:sldMkLst>
+          <pc:docMk/>
+          <pc:sldMk cId="0" sldId="273"/>
+        </pc:sldMkLst>
+        <pc:spChg chg="mod">
+          <ac:chgData name="priyanshi maheshwari" userId="86e7588e45fcba19" providerId="LiveId" clId="{8AE63DA2-5BFB-4D43-9540-A53EEF80B978}" dt="2024-04-30T16:16:00.400" v="6" actId="20577"/>
+          <ac:spMkLst>
+            <pc:docMk/>
+            <pc:sldMk cId="0" sldId="273"/>
+            <ac:spMk id="2" creationId="{00000000-0000-0000-0000-000000000000}"/>
+          </ac:spMkLst>
+        </pc:spChg>
+      </pc:sldChg>
+      <pc:sldChg chg="modSp mod">
+        <pc:chgData name="priyanshi maheshwari" userId="86e7588e45fcba19" providerId="LiveId" clId="{8AE63DA2-5BFB-4D43-9540-A53EEF80B978}" dt="2024-04-30T16:24:26.207" v="7" actId="20577"/>
+        <pc:sldMkLst>
+          <pc:docMk/>
+          <pc:sldMk cId="215453401" sldId="295"/>
+        </pc:sldMkLst>
+        <pc:spChg chg="mod">
+          <ac:chgData name="priyanshi maheshwari" userId="86e7588e45fcba19" providerId="LiveId" clId="{8AE63DA2-5BFB-4D43-9540-A53EEF80B978}" dt="2024-04-30T16:24:26.207" v="7" actId="20577"/>
+          <ac:spMkLst>
+            <pc:docMk/>
+            <pc:sldMk cId="215453401" sldId="295"/>
+            <ac:spMk id="2" creationId="{B3E3F35C-8F5C-DABF-F32C-7E395F8ADB0F}"/>
+          </ac:spMkLst>
+        </pc:spChg>
+      </pc:sldChg>
+    </pc:docChg>
+  </pc:docChgLst>
+</pc:chgInfo>
 </file>
 
 <file path=ppt/slideLayouts/slideLayout1.xml><?xml version="1.0" encoding="utf-8"?>
@@ -6347,7 +6421,7 @@
         <p:spPr>
           <a:xfrm>
             <a:off x="1045706" y="2409825"/>
-            <a:ext cx="3967753" cy="369332"/>
+            <a:ext cx="3775393" cy="369332"/>
           </a:xfrm>
           <a:prstGeom prst="rect">
             <a:avLst/>
@@ -6362,7 +6436,7 @@
           <a:p>
             <a:r>
               <a:rPr lang="en-IN" dirty="0"/>
-              <a:t>1. Import all the libraries and data file</a:t>
+              <a:t> Import all the libraries and data file</a:t>
             </a:r>
           </a:p>
         </p:txBody>
@@ -6571,15 +6645,13 @@
           </a:bodyPr>
           <a:lstStyle/>
           <a:p>
-            <a:pPr marL="212725" indent="-200025">
+            <a:pPr marL="12700">
               <a:lnSpc>
                 <a:spcPct val="100000"/>
               </a:lnSpc>
               <a:spcBef>
                 <a:spcPts val="110"/>
               </a:spcBef>
-              <a:buFont typeface="Arial MT"/>
-              <a:buChar char="•"/>
               <a:tabLst>
                 <a:tab pos="212725" algn="l"/>
               </a:tabLst>
@@ -6592,7 +6664,7 @@
                 <a:latin typeface="SimSun-ExtB"/>
                 <a:cs typeface="SimSun-ExtB"/>
               </a:rPr>
-              <a:t>6. </a:t>
+              <a:t> </a:t>
             </a:r>
             <a:r>
               <a:rPr lang="en-IN" sz="2450" spc="-229" dirty="0">
@@ -6726,20 +6798,10 @@
                 <a:solidFill>
                   <a:srgbClr val="262B36"/>
                 </a:solidFill>
-                <a:latin typeface="SimSun-ExtB"/>
-                <a:cs typeface="SimSun-ExtB"/>
-              </a:rPr>
-              <a:t>7</a:t>
-            </a:r>
-            <a:r>
-              <a:rPr lang="en-IN" sz="2450" spc="-229" dirty="0">
-                <a:solidFill>
-                  <a:srgbClr val="262B36"/>
-                </a:solidFill>
                 <a:latin typeface="Times New Roman" panose="02020603050405020304" pitchFamily="18" charset="0"/>
                 <a:cs typeface="Times New Roman" panose="02020603050405020304" pitchFamily="18" charset="0"/>
               </a:rPr>
-              <a:t>. Creating </a:t>
+              <a:t> Creating </a:t>
             </a:r>
             <a:r>
               <a:rPr lang="en-US" sz="2450" spc="-229" dirty="0">
@@ -9458,7 +9520,7 @@
         <p:spPr>
           <a:xfrm>
             <a:off x="698500" y="359078"/>
-            <a:ext cx="7010400" cy="646331"/>
+            <a:ext cx="7010400" cy="369332"/>
           </a:xfrm>
           <a:prstGeom prst="rect">
             <a:avLst/>
@@ -9481,15 +9543,7 @@
             </a:r>
             <a:r>
               <a:rPr lang="en-IN" dirty="0"/>
-              <a:t> it </a:t>
-            </a:r>
-            <a:r>
-              <a:rPr lang="en-IN" dirty="0" err="1"/>
-              <a:t>concat</a:t>
-            </a:r>
-            <a:r>
-              <a:rPr lang="en-IN" dirty="0"/>
-              <a:t> </a:t>
+              <a:t> it</a:t>
             </a:r>
           </a:p>
         </p:txBody>
